--- a/presentation.pptx
+++ b/presentation.pptx
@@ -11,6 +11,8 @@
     <p:sldId id="257" r:id="rId5"/>
     <p:sldId id="258" r:id="rId6"/>
     <p:sldId id="261" r:id="rId7"/>
+    <p:sldId id="263" r:id="rId8"/>
+    <p:sldId id="264" r:id="rId9"/>
   </p:sldIdLst>
   <p:sldSz cx="12192000" cy="6858000"/>
   <p:notesSz cx="6858000" cy="9144000"/>
@@ -5137,6 +5139,592 @@
 </p:sld>
 </file>
 
+<file path=ppt/slides/slide7.xml><?xml version="1.0" encoding="utf-8"?>
+<p:sld xmlns:a="http://schemas.openxmlformats.org/drawingml/2006/main" xmlns:r="http://schemas.openxmlformats.org/officeDocument/2006/relationships" xmlns:p="http://schemas.openxmlformats.org/presentationml/2006/main">
+  <p:cSld>
+    <p:spTree>
+      <p:nvGrpSpPr>
+        <p:cNvPr id="1" name=""/>
+        <p:cNvGrpSpPr/>
+        <p:nvPr/>
+      </p:nvGrpSpPr>
+      <p:grpSpPr>
+        <a:xfrm>
+          <a:off x="0" y="0"/>
+          <a:ext cx="0" cy="0"/>
+          <a:chOff x="0" y="0"/>
+          <a:chExt cx="0" cy="0"/>
+        </a:xfrm>
+      </p:grpSpPr>
+      <p:sp>
+        <p:nvSpPr>
+          <p:cNvPr id="2" name="Title 1">
+            <a:extLst>
+              <a:ext uri="{FF2B5EF4-FFF2-40B4-BE49-F238E27FC236}">
+                <a16:creationId xmlns:a16="http://schemas.microsoft.com/office/drawing/2014/main" id="{A829170D-41FD-481A-AE26-6AF129FA768E}"/>
+              </a:ext>
+            </a:extLst>
+          </p:cNvPr>
+          <p:cNvSpPr>
+            <a:spLocks noGrp="1"/>
+          </p:cNvSpPr>
+          <p:nvPr>
+            <p:ph type="title"/>
+          </p:nvPr>
+        </p:nvSpPr>
+        <p:spPr/>
+        <p:txBody>
+          <a:bodyPr/>
+          <a:lstStyle/>
+          <a:p>
+            <a:r>
+              <a:rPr lang="en-US" dirty="0"/>
+              <a:t>Future Work</a:t>
+            </a:r>
+          </a:p>
+        </p:txBody>
+      </p:sp>
+      <p:sp>
+        <p:nvSpPr>
+          <p:cNvPr id="3" name="Content Placeholder 2">
+            <a:extLst>
+              <a:ext uri="{FF2B5EF4-FFF2-40B4-BE49-F238E27FC236}">
+                <a16:creationId xmlns:a16="http://schemas.microsoft.com/office/drawing/2014/main" id="{58820E2A-DBEC-4A53-85B8-90056D5895E7}"/>
+              </a:ext>
+            </a:extLst>
+          </p:cNvPr>
+          <p:cNvSpPr>
+            <a:spLocks noGrp="1"/>
+          </p:cNvSpPr>
+          <p:nvPr>
+            <p:ph idx="1"/>
+          </p:nvPr>
+        </p:nvSpPr>
+        <p:spPr/>
+        <p:txBody>
+          <a:bodyPr>
+            <a:normAutofit/>
+          </a:bodyPr>
+          <a:lstStyle/>
+          <a:p>
+            <a:pPr>
+              <a:buFont typeface="Arial" panose="020B0604020202020204" pitchFamily="34" charset="0"/>
+              <a:buChar char="•"/>
+            </a:pPr>
+            <a:r>
+              <a:rPr lang="en-US" sz="3200" dirty="0"/>
+              <a:t>Explore more regional features driving house prices:</a:t>
+            </a:r>
+          </a:p>
+          <a:p>
+            <a:pPr lvl="1"/>
+            <a:r>
+              <a:rPr lang="en-US" sz="2800" dirty="0"/>
+              <a:t>Are there unique temporal trends in certain areas?</a:t>
+            </a:r>
+          </a:p>
+          <a:p>
+            <a:pPr>
+              <a:buFont typeface="Arial" panose="020B0604020202020204" pitchFamily="34" charset="0"/>
+              <a:buChar char="•"/>
+            </a:pPr>
+            <a:endParaRPr lang="en-US" sz="3200" dirty="0"/>
+          </a:p>
+          <a:p>
+            <a:pPr>
+              <a:buFont typeface="Arial" panose="020B0604020202020204" pitchFamily="34" charset="0"/>
+              <a:buChar char="•"/>
+            </a:pPr>
+            <a:r>
+              <a:rPr lang="en-US" sz="3200" dirty="0"/>
+              <a:t>Explore different methods for addressing outliers:</a:t>
+            </a:r>
+          </a:p>
+          <a:p>
+            <a:pPr lvl="1"/>
+            <a:r>
+              <a:rPr lang="en-US" sz="2800" dirty="0"/>
+              <a:t>Predictors may change with different treatment of very cheap &amp; very expensive properties</a:t>
+            </a:r>
+          </a:p>
+          <a:p>
+            <a:pPr lvl="1">
+              <a:buFont typeface="Arial" panose="020B0604020202020204" pitchFamily="34" charset="0"/>
+              <a:buChar char="•"/>
+            </a:pPr>
+            <a:endParaRPr lang="en-US" sz="3000" dirty="0"/>
+          </a:p>
+        </p:txBody>
+      </p:sp>
+    </p:spTree>
+    <p:extLst>
+      <p:ext uri="{BB962C8B-B14F-4D97-AF65-F5344CB8AC3E}">
+        <p14:creationId xmlns:p14="http://schemas.microsoft.com/office/powerpoint/2010/main" val="3030111519"/>
+      </p:ext>
+    </p:extLst>
+  </p:cSld>
+  <p:clrMapOvr>
+    <a:masterClrMapping/>
+  </p:clrMapOvr>
+</p:sld>
+</file>
+
+<file path=ppt/slides/slide8.xml><?xml version="1.0" encoding="utf-8"?>
+<p:sld xmlns:a="http://schemas.openxmlformats.org/drawingml/2006/main" xmlns:r="http://schemas.openxmlformats.org/officeDocument/2006/relationships" xmlns:p="http://schemas.openxmlformats.org/presentationml/2006/main">
+  <p:cSld>
+    <p:bg>
+      <p:bgPr>
+        <a:solidFill>
+          <a:schemeClr val="bg1"/>
+        </a:solidFill>
+        <a:effectLst/>
+      </p:bgPr>
+    </p:bg>
+    <p:spTree>
+      <p:nvGrpSpPr>
+        <p:cNvPr id="1" name=""/>
+        <p:cNvGrpSpPr/>
+        <p:nvPr/>
+      </p:nvGrpSpPr>
+      <p:grpSpPr>
+        <a:xfrm>
+          <a:off x="0" y="0"/>
+          <a:ext cx="0" cy="0"/>
+          <a:chOff x="0" y="0"/>
+          <a:chExt cx="0" cy="0"/>
+        </a:xfrm>
+      </p:grpSpPr>
+      <p:sp>
+        <p:nvSpPr>
+          <p:cNvPr id="10" name="Rectangle 9">
+            <a:extLst>
+              <a:ext uri="{FF2B5EF4-FFF2-40B4-BE49-F238E27FC236}">
+                <a16:creationId xmlns:a16="http://schemas.microsoft.com/office/drawing/2014/main" id="{52C0B2E1-0268-42EC-ABD3-94F81A05BCBD}"/>
+              </a:ext>
+              <a:ext uri="{C183D7F6-B498-43B3-948B-1728B52AA6E4}">
+                <adec:decorative xmlns:adec="http://schemas.microsoft.com/office/drawing/2017/decorative" val="1"/>
+              </a:ext>
+            </a:extLst>
+          </p:cNvPr>
+          <p:cNvSpPr>
+            <a:spLocks noGrp="1" noRot="1" noChangeAspect="1" noMove="1" noResize="1" noEditPoints="1" noAdjustHandles="1" noChangeArrowheads="1" noChangeShapeType="1" noTextEdit="1"/>
+          </p:cNvSpPr>
+          <p:nvPr>
+            <p:extLst>
+              <p:ext uri="{386F3935-93C4-4BCD-93E2-E3B085C9AB24}">
+                <p16:designElem xmlns:p16="http://schemas.microsoft.com/office/powerpoint/2015/main" val="1"/>
+              </p:ext>
+            </p:extLst>
+          </p:nvPr>
+        </p:nvSpPr>
+        <p:spPr>
+          <a:xfrm>
+            <a:off x="3175" y="6400800"/>
+            <a:ext cx="12188825" cy="457200"/>
+          </a:xfrm>
+          <a:prstGeom prst="rect">
+            <a:avLst/>
+          </a:prstGeom>
+          <a:solidFill>
+            <a:schemeClr val="accent2"/>
+          </a:solidFill>
+          <a:ln>
+            <a:noFill/>
+          </a:ln>
+        </p:spPr>
+        <p:style>
+          <a:lnRef idx="2">
+            <a:schemeClr val="accent1">
+              <a:shade val="50000"/>
+            </a:schemeClr>
+          </a:lnRef>
+          <a:fillRef idx="1">
+            <a:schemeClr val="accent1"/>
+          </a:fillRef>
+          <a:effectRef idx="0">
+            <a:schemeClr val="accent1"/>
+          </a:effectRef>
+          <a:fontRef idx="minor">
+            <a:schemeClr val="lt1"/>
+          </a:fontRef>
+        </p:style>
+      </p:sp>
+      <p:sp>
+        <p:nvSpPr>
+          <p:cNvPr id="12" name="Rectangle 11">
+            <a:extLst>
+              <a:ext uri="{FF2B5EF4-FFF2-40B4-BE49-F238E27FC236}">
+                <a16:creationId xmlns:a16="http://schemas.microsoft.com/office/drawing/2014/main" id="{7D2256B4-48EA-40FC-BBC0-AA1EE6E0080C}"/>
+              </a:ext>
+              <a:ext uri="{C183D7F6-B498-43B3-948B-1728B52AA6E4}">
+                <adec:decorative xmlns:adec="http://schemas.microsoft.com/office/drawing/2017/decorative" val="1"/>
+              </a:ext>
+            </a:extLst>
+          </p:cNvPr>
+          <p:cNvSpPr>
+            <a:spLocks noGrp="1" noRot="1" noChangeAspect="1" noMove="1" noResize="1" noEditPoints="1" noAdjustHandles="1" noChangeArrowheads="1" noChangeShapeType="1" noTextEdit="1"/>
+          </p:cNvSpPr>
+          <p:nvPr>
+            <p:extLst>
+              <p:ext uri="{386F3935-93C4-4BCD-93E2-E3B085C9AB24}">
+                <p16:designElem xmlns:p16="http://schemas.microsoft.com/office/powerpoint/2015/main" val="1"/>
+              </p:ext>
+            </p:extLst>
+          </p:nvPr>
+        </p:nvSpPr>
+        <p:spPr>
+          <a:xfrm>
+            <a:off x="15" y="6334316"/>
+            <a:ext cx="12188825" cy="64008"/>
+          </a:xfrm>
+          <a:prstGeom prst="rect">
+            <a:avLst/>
+          </a:prstGeom>
+          <a:solidFill>
+            <a:schemeClr val="accent1"/>
+          </a:solidFill>
+          <a:ln>
+            <a:noFill/>
+          </a:ln>
+        </p:spPr>
+        <p:style>
+          <a:lnRef idx="2">
+            <a:schemeClr val="accent1">
+              <a:shade val="50000"/>
+            </a:schemeClr>
+          </a:lnRef>
+          <a:fillRef idx="1">
+            <a:schemeClr val="accent1"/>
+          </a:fillRef>
+          <a:effectRef idx="0">
+            <a:schemeClr val="accent1"/>
+          </a:effectRef>
+          <a:fontRef idx="minor">
+            <a:schemeClr val="lt1"/>
+          </a:fontRef>
+        </p:style>
+      </p:sp>
+      <p:cxnSp>
+        <p:nvCxnSpPr>
+          <p:cNvPr id="14" name="Straight Connector 13">
+            <a:extLst>
+              <a:ext uri="{FF2B5EF4-FFF2-40B4-BE49-F238E27FC236}">
+                <a16:creationId xmlns:a16="http://schemas.microsoft.com/office/drawing/2014/main" id="{3D44BCCA-102D-4A9D-B1E4-2450CAF0B05E}"/>
+              </a:ext>
+              <a:ext uri="{C183D7F6-B498-43B3-948B-1728B52AA6E4}">
+                <adec:decorative xmlns:adec="http://schemas.microsoft.com/office/drawing/2017/decorative" val="1"/>
+              </a:ext>
+            </a:extLst>
+          </p:cNvPr>
+          <p:cNvCxnSpPr>
+            <a:cxnSpLocks noGrp="1" noRot="1" noChangeAspect="1" noMove="1" noResize="1" noEditPoints="1" noAdjustHandles="1" noChangeArrowheads="1" noChangeShapeType="1"/>
+          </p:cNvCxnSpPr>
+          <p:nvPr>
+            <p:extLst>
+              <p:ext uri="{386F3935-93C4-4BCD-93E2-E3B085C9AB24}">
+                <p16:designElem xmlns:p16="http://schemas.microsoft.com/office/powerpoint/2015/main" val="1"/>
+              </p:ext>
+            </p:extLst>
+          </p:nvPr>
+        </p:nvCxnSpPr>
+        <p:spPr>
+          <a:xfrm>
+            <a:off x="1207658" y="4343400"/>
+            <a:ext cx="9875520" cy="0"/>
+          </a:xfrm>
+          <a:prstGeom prst="line">
+            <a:avLst/>
+          </a:prstGeom>
+          <a:ln w="6350">
+            <a:solidFill>
+              <a:schemeClr val="tx1">
+                <a:lumMod val="50000"/>
+                <a:lumOff val="50000"/>
+              </a:schemeClr>
+            </a:solidFill>
+          </a:ln>
+        </p:spPr>
+        <p:style>
+          <a:lnRef idx="1">
+            <a:schemeClr val="accent1"/>
+          </a:lnRef>
+          <a:fillRef idx="0">
+            <a:schemeClr val="accent1"/>
+          </a:fillRef>
+          <a:effectRef idx="0">
+            <a:schemeClr val="accent1"/>
+          </a:effectRef>
+          <a:fontRef idx="minor">
+            <a:schemeClr val="tx1"/>
+          </a:fontRef>
+        </p:style>
+      </p:cxnSp>
+      <p:sp useBgFill="1">
+        <p:nvSpPr>
+          <p:cNvPr id="16" name="Rectangle 15">
+            <a:extLst>
+              <a:ext uri="{FF2B5EF4-FFF2-40B4-BE49-F238E27FC236}">
+                <a16:creationId xmlns:a16="http://schemas.microsoft.com/office/drawing/2014/main" id="{88C4CF77-7AF8-4122-A7B0-041ABDF16B2B}"/>
+              </a:ext>
+              <a:ext uri="{C183D7F6-B498-43B3-948B-1728B52AA6E4}">
+                <adec:decorative xmlns:adec="http://schemas.microsoft.com/office/drawing/2017/decorative" val="1"/>
+              </a:ext>
+            </a:extLst>
+          </p:cNvPr>
+          <p:cNvSpPr>
+            <a:spLocks noGrp="1" noRot="1" noChangeAspect="1" noMove="1" noResize="1" noEditPoints="1" noAdjustHandles="1" noChangeArrowheads="1" noChangeShapeType="1" noTextEdit="1"/>
+          </p:cNvSpPr>
+          <p:nvPr>
+            <p:extLst>
+              <p:ext uri="{386F3935-93C4-4BCD-93E2-E3B085C9AB24}">
+                <p16:designElem xmlns:p16="http://schemas.microsoft.com/office/powerpoint/2015/main" val="1"/>
+              </p:ext>
+            </p:extLst>
+          </p:nvPr>
+        </p:nvSpPr>
+        <p:spPr>
+          <a:xfrm>
+            <a:off x="0" y="0"/>
+            <a:ext cx="12192000" cy="6858000"/>
+          </a:xfrm>
+          <a:prstGeom prst="rect">
+            <a:avLst/>
+          </a:prstGeom>
+          <a:ln>
+            <a:noFill/>
+          </a:ln>
+        </p:spPr>
+        <p:style>
+          <a:lnRef idx="2">
+            <a:schemeClr val="accent1">
+              <a:shade val="50000"/>
+            </a:schemeClr>
+          </a:lnRef>
+          <a:fillRef idx="1">
+            <a:schemeClr val="accent1"/>
+          </a:fillRef>
+          <a:effectRef idx="0">
+            <a:schemeClr val="accent1"/>
+          </a:effectRef>
+          <a:fontRef idx="minor">
+            <a:schemeClr val="lt1"/>
+          </a:fontRef>
+        </p:style>
+        <p:txBody>
+          <a:bodyPr rtlCol="0" anchor="ctr"/>
+          <a:lstStyle/>
+          <a:p>
+            <a:pPr algn="ctr"/>
+            <a:endParaRPr lang="en-US"/>
+          </a:p>
+        </p:txBody>
+      </p:sp>
+      <p:sp>
+        <p:nvSpPr>
+          <p:cNvPr id="5" name="TextBox 4">
+            <a:extLst>
+              <a:ext uri="{FF2B5EF4-FFF2-40B4-BE49-F238E27FC236}">
+                <a16:creationId xmlns:a16="http://schemas.microsoft.com/office/drawing/2014/main" id="{198BC02D-2D0D-46F1-A004-628DC14FE066}"/>
+              </a:ext>
+            </a:extLst>
+          </p:cNvPr>
+          <p:cNvSpPr txBox="1"/>
+          <p:nvPr/>
+        </p:nvSpPr>
+        <p:spPr>
+          <a:xfrm>
+            <a:off x="6573409" y="988741"/>
+            <a:ext cx="4813935" cy="4880518"/>
+          </a:xfrm>
+          <a:prstGeom prst="rect">
+            <a:avLst/>
+          </a:prstGeom>
+          <a:noFill/>
+          <a:ln>
+            <a:noFill/>
+          </a:ln>
+        </p:spPr>
+        <p:txBody>
+          <a:bodyPr vert="horz" wrap="square" lIns="91440" tIns="45720" rIns="91440" bIns="45720" rtlCol="0" anchor="ctr">
+            <a:normAutofit/>
+          </a:bodyPr>
+          <a:lstStyle/>
+          <a:p>
+            <a:pPr defTabSz="914400">
+              <a:lnSpc>
+                <a:spcPct val="85000"/>
+              </a:lnSpc>
+              <a:spcBef>
+                <a:spcPct val="0"/>
+              </a:spcBef>
+              <a:spcAft>
+                <a:spcPts val="600"/>
+              </a:spcAft>
+            </a:pPr>
+            <a:r>
+              <a:rPr lang="en-US" sz="6600" kern="1200" spc="-50" baseline="0" dirty="0">
+                <a:solidFill>
+                  <a:schemeClr val="tx1">
+                    <a:lumMod val="85000"/>
+                    <a:lumOff val="15000"/>
+                  </a:schemeClr>
+                </a:solidFill>
+                <a:latin typeface="+mj-lt"/>
+                <a:ea typeface="+mj-ea"/>
+                <a:cs typeface="+mj-cs"/>
+              </a:rPr>
+              <a:t>Thank you!</a:t>
+            </a:r>
+          </a:p>
+        </p:txBody>
+      </p:sp>
+      <p:sp>
+        <p:nvSpPr>
+          <p:cNvPr id="18" name="Rectangle 17">
+            <a:extLst>
+              <a:ext uri="{FF2B5EF4-FFF2-40B4-BE49-F238E27FC236}">
+                <a16:creationId xmlns:a16="http://schemas.microsoft.com/office/drawing/2014/main" id="{D509D458-5758-41CE-89DE-485C1BBCD86D}"/>
+              </a:ext>
+              <a:ext uri="{C183D7F6-B498-43B3-948B-1728B52AA6E4}">
+                <adec:decorative xmlns:adec="http://schemas.microsoft.com/office/drawing/2017/decorative" val="1"/>
+              </a:ext>
+            </a:extLst>
+          </p:cNvPr>
+          <p:cNvSpPr>
+            <a:spLocks noGrp="1" noRot="1" noChangeAspect="1" noMove="1" noResize="1" noEditPoints="1" noAdjustHandles="1" noChangeArrowheads="1" noChangeShapeType="1" noTextEdit="1"/>
+          </p:cNvSpPr>
+          <p:nvPr>
+            <p:extLst>
+              <p:ext uri="{386F3935-93C4-4BCD-93E2-E3B085C9AB24}">
+                <p16:designElem xmlns:p16="http://schemas.microsoft.com/office/powerpoint/2015/main" val="1"/>
+              </p:ext>
+            </p:extLst>
+          </p:nvPr>
+        </p:nvSpPr>
+        <p:spPr>
+          <a:xfrm>
+            <a:off x="0" y="0"/>
+            <a:ext cx="1438656" cy="6858000"/>
+          </a:xfrm>
+          <a:prstGeom prst="rect">
+            <a:avLst/>
+          </a:prstGeom>
+          <a:solidFill>
+            <a:schemeClr val="tx1">
+              <a:lumMod val="75000"/>
+              <a:lumOff val="25000"/>
+              <a:alpha val="80000"/>
+            </a:schemeClr>
+          </a:solidFill>
+          <a:ln>
+            <a:noFill/>
+          </a:ln>
+        </p:spPr>
+        <p:style>
+          <a:lnRef idx="2">
+            <a:schemeClr val="accent1">
+              <a:shade val="50000"/>
+            </a:schemeClr>
+          </a:lnRef>
+          <a:fillRef idx="1003">
+            <a:schemeClr val="lt1"/>
+          </a:fillRef>
+          <a:effectRef idx="0">
+            <a:schemeClr val="accent1"/>
+          </a:effectRef>
+          <a:fontRef idx="minor">
+            <a:schemeClr val="lt1"/>
+          </a:fontRef>
+        </p:style>
+        <p:txBody>
+          <a:bodyPr rtlCol="0" anchor="ctr"/>
+          <a:lstStyle/>
+          <a:p>
+            <a:pPr algn="ctr"/>
+            <a:endParaRPr lang="en-US">
+              <a:solidFill>
+                <a:schemeClr val="accent2"/>
+              </a:solidFill>
+            </a:endParaRPr>
+          </a:p>
+        </p:txBody>
+      </p:sp>
+      <p:sp>
+        <p:nvSpPr>
+          <p:cNvPr id="20" name="Rectangle 19">
+            <a:extLst>
+              <a:ext uri="{FF2B5EF4-FFF2-40B4-BE49-F238E27FC236}">
+                <a16:creationId xmlns:a16="http://schemas.microsoft.com/office/drawing/2014/main" id="{1D38966F-378A-47DC-83CC-D5A783224D48}"/>
+              </a:ext>
+              <a:ext uri="{C183D7F6-B498-43B3-948B-1728B52AA6E4}">
+                <adec:decorative xmlns:adec="http://schemas.microsoft.com/office/drawing/2017/decorative" val="1"/>
+              </a:ext>
+            </a:extLst>
+          </p:cNvPr>
+          <p:cNvSpPr>
+            <a:spLocks noGrp="1" noRot="1" noChangeAspect="1" noMove="1" noResize="1" noEditPoints="1" noAdjustHandles="1" noChangeArrowheads="1" noChangeShapeType="1" noTextEdit="1"/>
+          </p:cNvSpPr>
+          <p:nvPr>
+            <p:extLst>
+              <p:ext uri="{386F3935-93C4-4BCD-93E2-E3B085C9AB24}">
+                <p16:designElem xmlns:p16="http://schemas.microsoft.com/office/powerpoint/2015/main" val="1"/>
+              </p:ext>
+            </p:extLst>
+          </p:nvPr>
+        </p:nvSpPr>
+        <p:spPr>
+          <a:xfrm>
+            <a:off x="1438656" y="0"/>
+            <a:ext cx="4653776" cy="6858000"/>
+          </a:xfrm>
+          <a:prstGeom prst="rect">
+            <a:avLst/>
+          </a:prstGeom>
+          <a:solidFill>
+            <a:schemeClr val="accent2"/>
+          </a:solidFill>
+          <a:ln>
+            <a:noFill/>
+          </a:ln>
+        </p:spPr>
+        <p:style>
+          <a:lnRef idx="2">
+            <a:schemeClr val="accent1">
+              <a:shade val="50000"/>
+            </a:schemeClr>
+          </a:lnRef>
+          <a:fillRef idx="1">
+            <a:schemeClr val="accent1"/>
+          </a:fillRef>
+          <a:effectRef idx="0">
+            <a:schemeClr val="accent1"/>
+          </a:effectRef>
+          <a:fontRef idx="minor">
+            <a:schemeClr val="lt1"/>
+          </a:fontRef>
+        </p:style>
+        <p:txBody>
+          <a:bodyPr rtlCol="0" anchor="ctr"/>
+          <a:lstStyle/>
+          <a:p>
+            <a:pPr algn="ctr"/>
+            <a:endParaRPr lang="en-US"/>
+          </a:p>
+        </p:txBody>
+      </p:sp>
+    </p:spTree>
+    <p:extLst>
+      <p:ext uri="{BB962C8B-B14F-4D97-AF65-F5344CB8AC3E}">
+        <p14:creationId xmlns:p14="http://schemas.microsoft.com/office/powerpoint/2010/main" val="4137463639"/>
+      </p:ext>
+    </p:extLst>
+  </p:cSld>
+  <p:clrMapOvr>
+    <a:masterClrMapping/>
+  </p:clrMapOvr>
+</p:sld>
+</file>
+
 <file path=ppt/theme/theme1.xml><?xml version="1.0" encoding="utf-8"?>
 <a:theme xmlns:a="http://schemas.openxmlformats.org/drawingml/2006/main" name="Retrospect">
   <a:themeElements>

--- a/presentation.pptx
+++ b/presentation.pptx
@@ -8,11 +8,10 @@
     <p:sldId id="256" r:id="rId2"/>
     <p:sldId id="260" r:id="rId3"/>
     <p:sldId id="259" r:id="rId4"/>
-    <p:sldId id="257" r:id="rId5"/>
-    <p:sldId id="258" r:id="rId6"/>
-    <p:sldId id="261" r:id="rId7"/>
-    <p:sldId id="263" r:id="rId8"/>
-    <p:sldId id="264" r:id="rId9"/>
+    <p:sldId id="258" r:id="rId5"/>
+    <p:sldId id="261" r:id="rId6"/>
+    <p:sldId id="263" r:id="rId7"/>
+    <p:sldId id="264" r:id="rId8"/>
   </p:sldIdLst>
   <p:sldSz cx="12192000" cy="6858000"/>
   <p:notesSz cx="6858000" cy="9144000"/>
@@ -345,7 +344,7 @@
           <a:p>
             <a:fld id="{9066CFEF-68CE-4E99-B28B-3CF8E4CC9963}" type="datetimeFigureOut">
               <a:rPr lang="en-US" smtClean="0"/>
-              <a:t>10/27/2019</a:t>
+              <a:t>11/8/2019</a:t>
             </a:fld>
             <a:endParaRPr lang="en-US"/>
           </a:p>
@@ -553,7 +552,7 @@
           <a:p>
             <a:fld id="{9066CFEF-68CE-4E99-B28B-3CF8E4CC9963}" type="datetimeFigureOut">
               <a:rPr lang="en-US" smtClean="0"/>
-              <a:t>10/27/2019</a:t>
+              <a:t>11/8/2019</a:t>
             </a:fld>
             <a:endParaRPr lang="en-US"/>
           </a:p>
@@ -809,7 +808,7 @@
           <a:p>
             <a:fld id="{9066CFEF-68CE-4E99-B28B-3CF8E4CC9963}" type="datetimeFigureOut">
               <a:rPr lang="en-US" smtClean="0"/>
-              <a:t>10/27/2019</a:t>
+              <a:t>11/8/2019</a:t>
             </a:fld>
             <a:endParaRPr lang="en-US"/>
           </a:p>
@@ -983,7 +982,7 @@
           <a:p>
             <a:fld id="{9066CFEF-68CE-4E99-B28B-3CF8E4CC9963}" type="datetimeFigureOut">
               <a:rPr lang="en-US" smtClean="0"/>
-              <a:t>10/27/2019</a:t>
+              <a:t>11/8/2019</a:t>
             </a:fld>
             <a:endParaRPr lang="en-US"/>
           </a:p>
@@ -1326,7 +1325,7 @@
           <a:p>
             <a:fld id="{9066CFEF-68CE-4E99-B28B-3CF8E4CC9963}" type="datetimeFigureOut">
               <a:rPr lang="en-US" smtClean="0"/>
-              <a:t>10/27/2019</a:t>
+              <a:t>11/8/2019</a:t>
             </a:fld>
             <a:endParaRPr lang="en-US"/>
           </a:p>
@@ -1601,7 +1600,7 @@
           <a:p>
             <a:fld id="{9066CFEF-68CE-4E99-B28B-3CF8E4CC9963}" type="datetimeFigureOut">
               <a:rPr lang="en-US" smtClean="0"/>
-              <a:t>10/27/2019</a:t>
+              <a:t>11/8/2019</a:t>
             </a:fld>
             <a:endParaRPr lang="en-US"/>
           </a:p>
@@ -1980,7 +1979,7 @@
           <a:p>
             <a:fld id="{9066CFEF-68CE-4E99-B28B-3CF8E4CC9963}" type="datetimeFigureOut">
               <a:rPr lang="en-US" smtClean="0"/>
-              <a:t>10/27/2019</a:t>
+              <a:t>11/8/2019</a:t>
             </a:fld>
             <a:endParaRPr lang="en-US"/>
           </a:p>
@@ -2098,7 +2097,7 @@
           <a:p>
             <a:fld id="{9066CFEF-68CE-4E99-B28B-3CF8E4CC9963}" type="datetimeFigureOut">
               <a:rPr lang="en-US" smtClean="0"/>
-              <a:t>10/27/2019</a:t>
+              <a:t>11/8/2019</a:t>
             </a:fld>
             <a:endParaRPr lang="en-US"/>
           </a:p>
@@ -2269,7 +2268,7 @@
           <a:p>
             <a:fld id="{9066CFEF-68CE-4E99-B28B-3CF8E4CC9963}" type="datetimeFigureOut">
               <a:rPr lang="en-US" smtClean="0"/>
-              <a:t>10/27/2019</a:t>
+              <a:t>11/8/2019</a:t>
             </a:fld>
             <a:endParaRPr lang="en-US"/>
           </a:p>
@@ -2623,7 +2622,7 @@
           <a:p>
             <a:fld id="{9066CFEF-68CE-4E99-B28B-3CF8E4CC9963}" type="datetimeFigureOut">
               <a:rPr lang="en-US" smtClean="0"/>
-              <a:t>10/27/2019</a:t>
+              <a:t>11/8/2019</a:t>
             </a:fld>
             <a:endParaRPr lang="en-US"/>
           </a:p>
@@ -3005,7 +3004,7 @@
           <a:p>
             <a:fld id="{9066CFEF-68CE-4E99-B28B-3CF8E4CC9963}" type="datetimeFigureOut">
               <a:rPr lang="en-US" smtClean="0"/>
-              <a:t>10/27/2019</a:t>
+              <a:t>11/8/2019</a:t>
             </a:fld>
             <a:endParaRPr lang="en-US"/>
           </a:p>
@@ -3292,7 +3291,7 @@
           <a:p>
             <a:fld id="{9066CFEF-68CE-4E99-B28B-3CF8E4CC9963}" type="datetimeFigureOut">
               <a:rPr lang="en-US" smtClean="0"/>
-              <a:t>10/27/2019</a:t>
+              <a:t>11/8/2019</a:t>
             </a:fld>
             <a:endParaRPr lang="en-US"/>
           </a:p>
@@ -3958,7 +3957,7 @@
         <p:spPr>
           <a:xfrm>
             <a:off x="3836504" y="758952"/>
-            <a:ext cx="7319175" cy="3566160"/>
+            <a:ext cx="8355496" cy="3566160"/>
           </a:xfrm>
         </p:spPr>
         <p:txBody>
@@ -3968,8 +3967,8 @@
           <a:lstStyle/>
           <a:p>
             <a:r>
-              <a:rPr lang="en-US" sz="6200"/>
-              <a:t>Predicting King County House Prices Using Linear Regression</a:t>
+              <a:rPr lang="en-US" sz="6200" dirty="0"/>
+              <a:t>Predicting Home Sale Prices in King County: Recommendations for Sellers</a:t>
             </a:r>
           </a:p>
         </p:txBody>
@@ -4010,7 +4009,7 @@
           <a:p>
             <a:r>
               <a:rPr lang="en-US" sz="2400" dirty="0"/>
-              <a:t>10/30/2019</a:t>
+              <a:t>11/8/2019</a:t>
             </a:r>
           </a:p>
         </p:txBody>
@@ -4330,7 +4329,7 @@
             </a:r>
             <a:r>
               <a:rPr lang="en-US" dirty="0"/>
-              <a:t> Produce linear regression model to predict sale price using most critical features</a:t>
+              <a:t> Produce a model to predict sale price using most critical features</a:t>
             </a:r>
           </a:p>
           <a:p>
@@ -4757,72 +4756,6 @@
       </p:grpSpPr>
       <p:pic>
         <p:nvPicPr>
-          <p:cNvPr id="3" name="Picture 2" descr="A picture containing implement, pencil, table, different&#10;&#10;Description automatically generated">
-            <a:extLst>
-              <a:ext uri="{FF2B5EF4-FFF2-40B4-BE49-F238E27FC236}">
-                <a16:creationId xmlns:a16="http://schemas.microsoft.com/office/drawing/2014/main" id="{623669AD-3901-433E-8588-A743A290C900}"/>
-              </a:ext>
-            </a:extLst>
-          </p:cNvPr>
-          <p:cNvPicPr>
-            <a:picLocks noChangeAspect="1"/>
-          </p:cNvPicPr>
-          <p:nvPr/>
-        </p:nvPicPr>
-        <p:blipFill>
-          <a:blip r:embed="rId2">
-            <a:extLst>
-              <a:ext uri="{28A0092B-C50C-407E-A947-70E740481C1C}">
-                <a14:useLocalDpi xmlns:a14="http://schemas.microsoft.com/office/drawing/2010/main" val="0"/>
-              </a:ext>
-            </a:extLst>
-          </a:blip>
-          <a:stretch>
-            <a:fillRect/>
-          </a:stretch>
-        </p:blipFill>
-        <p:spPr>
-          <a:xfrm>
-            <a:off x="295275" y="523874"/>
-            <a:ext cx="11452055" cy="5376595"/>
-          </a:xfrm>
-          <a:prstGeom prst="rect">
-            <a:avLst/>
-          </a:prstGeom>
-        </p:spPr>
-      </p:pic>
-    </p:spTree>
-    <p:extLst>
-      <p:ext uri="{BB962C8B-B14F-4D97-AF65-F5344CB8AC3E}">
-        <p14:creationId xmlns:p14="http://schemas.microsoft.com/office/powerpoint/2010/main" val="2503166748"/>
-      </p:ext>
-    </p:extLst>
-  </p:cSld>
-  <p:clrMapOvr>
-    <a:masterClrMapping/>
-  </p:clrMapOvr>
-</p:sld>
-</file>
-
-<file path=ppt/slides/slide5.xml><?xml version="1.0" encoding="utf-8"?>
-<p:sld xmlns:a="http://schemas.openxmlformats.org/drawingml/2006/main" xmlns:r="http://schemas.openxmlformats.org/officeDocument/2006/relationships" xmlns:p="http://schemas.openxmlformats.org/presentationml/2006/main">
-  <p:cSld>
-    <p:spTree>
-      <p:nvGrpSpPr>
-        <p:cNvPr id="1" name=""/>
-        <p:cNvGrpSpPr/>
-        <p:nvPr/>
-      </p:nvGrpSpPr>
-      <p:grpSpPr>
-        <a:xfrm>
-          <a:off x="0" y="0"/>
-          <a:ext cx="0" cy="0"/>
-          <a:chOff x="0" y="0"/>
-          <a:chExt cx="0" cy="0"/>
-        </a:xfrm>
-      </p:grpSpPr>
-      <p:pic>
-        <p:nvPicPr>
           <p:cNvPr id="3" name="Picture 2" descr="A close up of a map&#10;&#10;Description automatically generated">
             <a:extLst>
               <a:ext uri="{FF2B5EF4-FFF2-40B4-BE49-F238E27FC236}">
@@ -4873,7 +4806,7 @@
 </p:sld>
 </file>
 
-<file path=ppt/slides/slide6.xml><?xml version="1.0" encoding="utf-8"?>
+<file path=ppt/slides/slide5.xml><?xml version="1.0" encoding="utf-8"?>
 <p:sld xmlns:a="http://schemas.openxmlformats.org/drawingml/2006/main" xmlns:r="http://schemas.openxmlformats.org/officeDocument/2006/relationships" xmlns:p="http://schemas.openxmlformats.org/presentationml/2006/main">
   <p:cSld>
     <p:spTree>
@@ -5139,7 +5072,7 @@
 </p:sld>
 </file>
 
-<file path=ppt/slides/slide7.xml><?xml version="1.0" encoding="utf-8"?>
+<file path=ppt/slides/slide6.xml><?xml version="1.0" encoding="utf-8"?>
 <p:sld xmlns:a="http://schemas.openxmlformats.org/drawingml/2006/main" xmlns:r="http://schemas.openxmlformats.org/officeDocument/2006/relationships" xmlns:p="http://schemas.openxmlformats.org/presentationml/2006/main">
   <p:cSld>
     <p:spTree>
@@ -5269,7 +5202,7 @@
 </p:sld>
 </file>
 
-<file path=ppt/slides/slide8.xml><?xml version="1.0" encoding="utf-8"?>
+<file path=ppt/slides/slide7.xml><?xml version="1.0" encoding="utf-8"?>
 <p:sld xmlns:a="http://schemas.openxmlformats.org/drawingml/2006/main" xmlns:r="http://schemas.openxmlformats.org/officeDocument/2006/relationships" xmlns:p="http://schemas.openxmlformats.org/presentationml/2006/main">
   <p:cSld>
     <p:bg>
